--- a/Lab8/Лаб8.pptx
+++ b/Lab8/Лаб8.pptx
@@ -108,6 +108,11 @@
       </a:defRPr>
     </a:lvl9pPr>
   </p:defaultTextStyle>
+  <p:extLst>
+    <p:ext uri="{EFAFB233-063F-42B5-8137-9DF3F51BA10A}">
+      <p15:sldGuideLst xmlns:p15="http://schemas.microsoft.com/office/powerpoint/2012/main"/>
+    </p:ext>
+  </p:extLst>
 </p:presentation>
 </file>
 
@@ -240,7 +245,7 @@
           <a:p>
             <a:fld id="{84D0866A-B6BC-4B27-9716-6C115D9CE921}" type="datetimeFigureOut">
               <a:rPr lang="ru-RU" smtClean="0"/>
-              <a:t>30.11.2021</a:t>
+              <a:t>08.12.2021</a:t>
             </a:fld>
             <a:endParaRPr lang="ru-RU"/>
           </a:p>
@@ -408,7 +413,7 @@
           <a:p>
             <a:fld id="{84D0866A-B6BC-4B27-9716-6C115D9CE921}" type="datetimeFigureOut">
               <a:rPr lang="ru-RU" smtClean="0"/>
-              <a:t>30.11.2021</a:t>
+              <a:t>08.12.2021</a:t>
             </a:fld>
             <a:endParaRPr lang="ru-RU"/>
           </a:p>
@@ -586,7 +591,7 @@
           <a:p>
             <a:fld id="{84D0866A-B6BC-4B27-9716-6C115D9CE921}" type="datetimeFigureOut">
               <a:rPr lang="ru-RU" smtClean="0"/>
-              <a:t>30.11.2021</a:t>
+              <a:t>08.12.2021</a:t>
             </a:fld>
             <a:endParaRPr lang="ru-RU"/>
           </a:p>
@@ -754,7 +759,7 @@
           <a:p>
             <a:fld id="{84D0866A-B6BC-4B27-9716-6C115D9CE921}" type="datetimeFigureOut">
               <a:rPr lang="ru-RU" smtClean="0"/>
-              <a:t>30.11.2021</a:t>
+              <a:t>08.12.2021</a:t>
             </a:fld>
             <a:endParaRPr lang="ru-RU"/>
           </a:p>
@@ -999,7 +1004,7 @@
           <a:p>
             <a:fld id="{84D0866A-B6BC-4B27-9716-6C115D9CE921}" type="datetimeFigureOut">
               <a:rPr lang="ru-RU" smtClean="0"/>
-              <a:t>30.11.2021</a:t>
+              <a:t>08.12.2021</a:t>
             </a:fld>
             <a:endParaRPr lang="ru-RU"/>
           </a:p>
@@ -1228,7 +1233,7 @@
           <a:p>
             <a:fld id="{84D0866A-B6BC-4B27-9716-6C115D9CE921}" type="datetimeFigureOut">
               <a:rPr lang="ru-RU" smtClean="0"/>
-              <a:t>30.11.2021</a:t>
+              <a:t>08.12.2021</a:t>
             </a:fld>
             <a:endParaRPr lang="ru-RU"/>
           </a:p>
@@ -1592,7 +1597,7 @@
           <a:p>
             <a:fld id="{84D0866A-B6BC-4B27-9716-6C115D9CE921}" type="datetimeFigureOut">
               <a:rPr lang="ru-RU" smtClean="0"/>
-              <a:t>30.11.2021</a:t>
+              <a:t>08.12.2021</a:t>
             </a:fld>
             <a:endParaRPr lang="ru-RU"/>
           </a:p>
@@ -1709,7 +1714,7 @@
           <a:p>
             <a:fld id="{84D0866A-B6BC-4B27-9716-6C115D9CE921}" type="datetimeFigureOut">
               <a:rPr lang="ru-RU" smtClean="0"/>
-              <a:t>30.11.2021</a:t>
+              <a:t>08.12.2021</a:t>
             </a:fld>
             <a:endParaRPr lang="ru-RU"/>
           </a:p>
@@ -1804,7 +1809,7 @@
           <a:p>
             <a:fld id="{84D0866A-B6BC-4B27-9716-6C115D9CE921}" type="datetimeFigureOut">
               <a:rPr lang="ru-RU" smtClean="0"/>
-              <a:t>30.11.2021</a:t>
+              <a:t>08.12.2021</a:t>
             </a:fld>
             <a:endParaRPr lang="ru-RU"/>
           </a:p>
@@ -2079,7 +2084,7 @@
           <a:p>
             <a:fld id="{84D0866A-B6BC-4B27-9716-6C115D9CE921}" type="datetimeFigureOut">
               <a:rPr lang="ru-RU" smtClean="0"/>
-              <a:t>30.11.2021</a:t>
+              <a:t>08.12.2021</a:t>
             </a:fld>
             <a:endParaRPr lang="ru-RU"/>
           </a:p>
@@ -2331,7 +2336,7 @@
           <a:p>
             <a:fld id="{84D0866A-B6BC-4B27-9716-6C115D9CE921}" type="datetimeFigureOut">
               <a:rPr lang="ru-RU" smtClean="0"/>
-              <a:t>30.11.2021</a:t>
+              <a:t>08.12.2021</a:t>
             </a:fld>
             <a:endParaRPr lang="ru-RU"/>
           </a:p>
@@ -2551,7 +2556,7 @@
           <a:p>
             <a:fld id="{84D0866A-B6BC-4B27-9716-6C115D9CE921}" type="datetimeFigureOut">
               <a:rPr lang="ru-RU" smtClean="0"/>
-              <a:t>30.11.2021</a:t>
+              <a:t>08.12.2021</a:t>
             </a:fld>
             <a:endParaRPr lang="ru-RU"/>
           </a:p>
@@ -3033,8 +3038,8 @@
         </p:nvSpPr>
         <p:spPr>
           <a:xfrm>
-            <a:off x="3306230" y="1572251"/>
-            <a:ext cx="2703177" cy="923330"/>
+            <a:off x="3626830" y="1572251"/>
+            <a:ext cx="2061976" cy="923330"/>
           </a:xfrm>
           <a:prstGeom prst="rect">
             <a:avLst/>
@@ -3049,7 +3054,7 @@
           <a:p>
             <a:pPr algn="ctr"/>
             <a:r>
-              <a:rPr lang="ru-RU" sz="5400" b="1" cap="none" spc="0" dirty="0">
+              <a:rPr lang="ru-RU" sz="5400" b="1" cap="none" spc="0" dirty="0" err="1">
                 <a:ln w="6600">
                   <a:solidFill>
                     <a:schemeClr val="accent2"/>
@@ -3065,8 +3070,24 @@
                   </a:outerShdw>
                 </a:effectLst>
               </a:rPr>
-              <a:t>блатных</a:t>
-            </a:r>
+              <a:t>блатні</a:t>
+            </a:r>
+            <a:endParaRPr lang="ru-RU" sz="5400" b="1" cap="none" spc="0" dirty="0">
+              <a:ln w="6600">
+                <a:solidFill>
+                  <a:schemeClr val="accent2"/>
+                </a:solidFill>
+                <a:prstDash val="solid"/>
+              </a:ln>
+              <a:solidFill>
+                <a:srgbClr val="FFFFFF"/>
+              </a:solidFill>
+              <a:effectLst>
+                <a:outerShdw dist="38100" dir="2700000" algn="tl" rotWithShape="0">
+                  <a:schemeClr val="accent2"/>
+                </a:outerShdw>
+              </a:effectLst>
+            </a:endParaRPr>
           </a:p>
         </p:txBody>
       </p:sp>
@@ -3084,8 +3105,8 @@
         </p:nvSpPr>
         <p:spPr>
           <a:xfrm>
-            <a:off x="4848265" y="2140460"/>
-            <a:ext cx="2815066" cy="923330"/>
+            <a:off x="4826625" y="2140460"/>
+            <a:ext cx="2858347" cy="923330"/>
           </a:xfrm>
           <a:prstGeom prst="rect">
             <a:avLst/>
@@ -3100,7 +3121,7 @@
           <a:p>
             <a:pPr algn="ctr"/>
             <a:r>
-              <a:rPr lang="ru-RU" sz="5400" dirty="0">
+              <a:rPr lang="ru-RU" sz="5400" dirty="0" err="1">
                 <a:ln w="0"/>
                 <a:gradFill>
                   <a:gsLst>
@@ -3125,7 +3146,7 @@
                   <a:reflection blurRad="6350" stA="53000" endA="300" endPos="35500" dir="5400000" sy="-90000" algn="bl" rotWithShape="0"/>
                 </a:effectLst>
               </a:rPr>
-              <a:t>паттерна</a:t>
+              <a:t>паттерни</a:t>
             </a:r>
             <a:endParaRPr lang="ru-RU" sz="5400" b="0" cap="none" spc="0" dirty="0">
               <a:ln w="0"/>
@@ -3169,8 +3190,8 @@
         </p:nvSpPr>
         <p:spPr>
           <a:xfrm>
-            <a:off x="2746463" y="2841620"/>
-            <a:ext cx="2733633" cy="923330"/>
+            <a:off x="3592143" y="2841620"/>
+            <a:ext cx="1042273" cy="923330"/>
           </a:xfrm>
           <a:prstGeom prst="rect">
             <a:avLst/>
@@ -3194,15 +3215,22 @@
           <a:p>
             <a:pPr algn="ctr"/>
             <a:r>
-              <a:rPr lang="ru-RU" sz="5400" b="1" cap="none" spc="0" dirty="0">
+              <a:rPr lang="ru-RU" sz="5400" b="1" cap="none" spc="0" dirty="0" err="1">
                 <a:ln/>
                 <a:solidFill>
                   <a:schemeClr val="accent4"/>
                 </a:solidFill>
                 <a:effectLst/>
               </a:rPr>
-              <a:t>которые</a:t>
-            </a:r>
+              <a:t>які</a:t>
+            </a:r>
+            <a:endParaRPr lang="ru-RU" sz="5400" b="1" cap="none" spc="0" dirty="0">
+              <a:ln/>
+              <a:solidFill>
+                <a:schemeClr val="accent4"/>
+              </a:solidFill>
+              <a:effectLst/>
+            </a:endParaRPr>
           </a:p>
         </p:txBody>
       </p:sp>
@@ -3220,7 +3248,7 @@
         </p:nvSpPr>
         <p:spPr>
           <a:xfrm>
-            <a:off x="5480096" y="3303285"/>
+            <a:off x="5361615" y="3216475"/>
             <a:ext cx="529311" cy="923330"/>
           </a:xfrm>
           <a:prstGeom prst="rect">
@@ -3273,8 +3301,8 @@
         </p:nvSpPr>
         <p:spPr>
           <a:xfrm>
-            <a:off x="5940612" y="3764950"/>
-            <a:ext cx="3063659" cy="923330"/>
+            <a:off x="5750177" y="3764950"/>
+            <a:ext cx="3444533" cy="923330"/>
           </a:xfrm>
           <a:prstGeom prst="rect">
             <a:avLst/>
@@ -3289,7 +3317,7 @@
           <a:p>
             <a:pPr algn="ctr"/>
             <a:r>
-              <a:rPr lang="ru-RU" sz="5400" b="1" cap="none" spc="0" dirty="0">
+              <a:rPr lang="ru-RU" sz="5400" b="1" cap="none" spc="0" dirty="0" err="1">
                 <a:ln w="12700" cmpd="sng">
                   <a:solidFill>
                     <a:schemeClr val="accent4"/>
@@ -3318,8 +3346,37 @@
                 </a:gradFill>
                 <a:effectLst/>
               </a:rPr>
-              <a:t>нечаянно</a:t>
-            </a:r>
+              <a:t>випадково</a:t>
+            </a:r>
+            <a:endParaRPr lang="ru-RU" sz="5400" b="1" cap="none" spc="0" dirty="0">
+              <a:ln w="12700" cmpd="sng">
+                <a:solidFill>
+                  <a:schemeClr val="accent4"/>
+                </a:solidFill>
+                <a:prstDash val="solid"/>
+              </a:ln>
+              <a:gradFill>
+                <a:gsLst>
+                  <a:gs pos="0">
+                    <a:schemeClr val="accent4"/>
+                  </a:gs>
+                  <a:gs pos="4000">
+                    <a:schemeClr val="accent4">
+                      <a:lumMod val="60000"/>
+                      <a:lumOff val="40000"/>
+                    </a:schemeClr>
+                  </a:gs>
+                  <a:gs pos="87000">
+                    <a:schemeClr val="accent4">
+                      <a:lumMod val="20000"/>
+                      <a:lumOff val="80000"/>
+                    </a:schemeClr>
+                  </a:gs>
+                </a:gsLst>
+                <a:lin ang="5400000"/>
+              </a:gradFill>
+              <a:effectLst/>
+            </a:endParaRPr>
           </a:p>
         </p:txBody>
       </p:sp>
@@ -3337,8 +3394,8 @@
         </p:nvSpPr>
         <p:spPr>
           <a:xfrm>
-            <a:off x="3601119" y="4485844"/>
-            <a:ext cx="4816576" cy="923330"/>
+            <a:off x="3902647" y="4485844"/>
+            <a:ext cx="4213526" cy="923330"/>
           </a:xfrm>
           <a:prstGeom prst="rect">
             <a:avLst/>
@@ -3370,7 +3427,7 @@
                   </a:innerShdw>
                 </a:effectLst>
               </a:rPr>
-              <a:t>ИСПОЛЬЗОВАЛ</a:t>
+              <a:t>ВИКОРИСТАВ</a:t>
             </a:r>
           </a:p>
         </p:txBody>
@@ -3520,22 +3577,73 @@
             </a:pPr>
             <a:r>
               <a:rPr lang="ru-RU" dirty="0"/>
-              <a:t>Шаблон, заполняемый динамичными данными при помощи специальных маркеров</a:t>
-            </a:r>
+              <a:t>Шаблон, </a:t>
+            </a:r>
+            <a:r>
+              <a:rPr lang="ru-RU" dirty="0" err="1"/>
+              <a:t>що</a:t>
+            </a:r>
+            <a:r>
+              <a:rPr lang="ru-RU" dirty="0"/>
+              <a:t> </a:t>
+            </a:r>
+            <a:r>
+              <a:rPr lang="ru-RU" dirty="0" err="1"/>
+              <a:t>заповнюється</a:t>
+            </a:r>
+            <a:r>
+              <a:rPr lang="ru-RU" dirty="0"/>
+              <a:t> </a:t>
+            </a:r>
+            <a:r>
+              <a:rPr lang="ru-RU" dirty="0" err="1"/>
+              <a:t>динамічними</a:t>
+            </a:r>
+            <a:r>
+              <a:rPr lang="ru-RU" dirty="0"/>
+              <a:t> </a:t>
+            </a:r>
+            <a:r>
+              <a:rPr lang="ru-RU" dirty="0" err="1"/>
+              <a:t>даними</a:t>
+            </a:r>
+            <a:r>
+              <a:rPr lang="ru-RU" dirty="0"/>
+              <a:t> за </a:t>
+            </a:r>
+            <a:r>
+              <a:rPr lang="ru-RU" dirty="0" err="1"/>
+              <a:t>допомогою</a:t>
+            </a:r>
+            <a:r>
+              <a:rPr lang="ru-RU" dirty="0"/>
+              <a:t> </a:t>
+            </a:r>
+            <a:r>
+              <a:rPr lang="ru-RU" dirty="0" err="1"/>
+              <a:t>спеціальних</a:t>
+            </a:r>
+            <a:r>
+              <a:rPr lang="ru-RU" dirty="0"/>
+              <a:t> </a:t>
+            </a:r>
+            <a:r>
+              <a:rPr lang="ru-RU" dirty="0" err="1"/>
+              <a:t>маркерів</a:t>
+            </a:r>
+            <a:endParaRPr lang="ru-RU" dirty="0"/>
           </a:p>
           <a:p>
             <a:pPr marL="0" indent="0">
               <a:buNone/>
             </a:pPr>
-            <a:endParaRPr lang="ru-RU" dirty="0"/>
-          </a:p>
-          <a:p>
-            <a:pPr marL="0" indent="0">
-              <a:buNone/>
-            </a:pPr>
+            <a:r>
+              <a:rPr lang="ru-RU" dirty="0" err="1"/>
+              <a:t>Використовувався</a:t>
+            </a:r>
             <a:r>
               <a:rPr lang="ru-RU" dirty="0"/>
-              <a:t>Использовался в </a:t>
+              <a:t> в </a:t>
             </a:r>
             <a:r>
               <a:rPr lang="en-US" dirty="0"/>
@@ -3543,7 +3651,7 @@
             </a:r>
             <a:r>
               <a:rPr lang="ru-RU" dirty="0"/>
-              <a:t>и </a:t>
+              <a:t>і </a:t>
             </a:r>
             <a:r>
               <a:rPr lang="en-US" dirty="0" err="1"/>
@@ -3672,7 +3780,7 @@
         </p:spPr>
         <p:txBody>
           <a:bodyPr>
-            <a:normAutofit fontScale="92500"/>
+            <a:normAutofit lnSpcReduction="10000"/>
           </a:bodyPr>
           <a:lstStyle/>
           <a:p>
@@ -3683,21 +3791,164 @@
               <a:rPr lang="ru-RU" b="0" i="0" dirty="0">
                 <a:effectLst/>
               </a:rPr>
-              <a:t>Паттерн проектирования, который позволяет динамически добавлять объектам новую функциональность, оборачивая их в полезные «обёртки»</a:t>
-            </a:r>
-            <a:endParaRPr lang="ru-RU" dirty="0"/>
+              <a:t>Паттерн </a:t>
+            </a:r>
+            <a:r>
+              <a:rPr lang="ru-RU" b="0" i="0" dirty="0" err="1">
+                <a:effectLst/>
+              </a:rPr>
+              <a:t>проектування</a:t>
+            </a:r>
+            <a:r>
+              <a:rPr lang="ru-RU" b="0" i="0" dirty="0">
+                <a:effectLst/>
+              </a:rPr>
+              <a:t>, </a:t>
+            </a:r>
+            <a:r>
+              <a:rPr lang="ru-RU" b="0" i="0" dirty="0" err="1">
+                <a:effectLst/>
+              </a:rPr>
+              <a:t>який</a:t>
+            </a:r>
+            <a:r>
+              <a:rPr lang="ru-RU" b="0" i="0" dirty="0">
+                <a:effectLst/>
+              </a:rPr>
+              <a:t> </a:t>
+            </a:r>
+            <a:r>
+              <a:rPr lang="ru-RU" b="0" i="0" dirty="0" err="1">
+                <a:effectLst/>
+              </a:rPr>
+              <a:t>дозволяє</a:t>
+            </a:r>
+            <a:r>
+              <a:rPr lang="ru-RU" b="0" i="0" dirty="0">
+                <a:effectLst/>
+              </a:rPr>
+              <a:t> </a:t>
+            </a:r>
+            <a:r>
+              <a:rPr lang="ru-RU" b="0" i="0" dirty="0" err="1">
+                <a:effectLst/>
+              </a:rPr>
+              <a:t>динамічно</a:t>
+            </a:r>
+            <a:r>
+              <a:rPr lang="ru-RU" b="0" i="0" dirty="0">
+                <a:effectLst/>
+              </a:rPr>
+              <a:t> </a:t>
+            </a:r>
+            <a:r>
+              <a:rPr lang="ru-RU" b="0" i="0" dirty="0" err="1">
+                <a:effectLst/>
+              </a:rPr>
+              <a:t>додавати</a:t>
+            </a:r>
+            <a:r>
+              <a:rPr lang="ru-RU" b="0" i="0" dirty="0">
+                <a:effectLst/>
+              </a:rPr>
+              <a:t> </a:t>
+            </a:r>
+            <a:r>
+              <a:rPr lang="ru-RU" b="0" i="0" dirty="0" err="1">
+                <a:effectLst/>
+              </a:rPr>
+              <a:t>об'єктам</a:t>
+            </a:r>
+            <a:r>
+              <a:rPr lang="ru-RU" b="0" i="0" dirty="0">
+                <a:effectLst/>
+              </a:rPr>
+              <a:t> </a:t>
+            </a:r>
+            <a:r>
+              <a:rPr lang="ru-RU" b="0" i="0" dirty="0" err="1">
+                <a:effectLst/>
+              </a:rPr>
+              <a:t>нову</a:t>
+            </a:r>
+            <a:r>
+              <a:rPr lang="ru-RU" b="0" i="0" dirty="0">
+                <a:effectLst/>
+              </a:rPr>
+              <a:t> </a:t>
+            </a:r>
+            <a:r>
+              <a:rPr lang="ru-RU" b="0" i="0" dirty="0" err="1">
+                <a:effectLst/>
+              </a:rPr>
+              <a:t>функціональність</a:t>
+            </a:r>
+            <a:r>
+              <a:rPr lang="ru-RU" b="0" i="0" dirty="0">
+                <a:effectLst/>
+              </a:rPr>
+              <a:t>, </a:t>
+            </a:r>
+            <a:r>
+              <a:rPr lang="ru-RU" b="0" i="0" dirty="0" err="1">
+                <a:effectLst/>
+              </a:rPr>
+              <a:t>обертаючи</a:t>
+            </a:r>
+            <a:r>
+              <a:rPr lang="ru-RU" b="0" i="0" dirty="0">
+                <a:effectLst/>
+              </a:rPr>
+              <a:t> </a:t>
+            </a:r>
+            <a:r>
+              <a:rPr lang="ru-RU" b="0" i="0" dirty="0" err="1">
+                <a:effectLst/>
+              </a:rPr>
+              <a:t>їх</a:t>
+            </a:r>
+            <a:r>
+              <a:rPr lang="ru-RU" b="0" i="0" dirty="0">
+                <a:effectLst/>
+              </a:rPr>
+              <a:t> у </a:t>
+            </a:r>
+            <a:r>
+              <a:rPr lang="ru-RU" b="0" i="0" dirty="0" err="1">
+                <a:effectLst/>
+              </a:rPr>
+              <a:t>корисні</a:t>
+            </a:r>
+            <a:r>
+              <a:rPr lang="ru-RU" b="0" i="0" dirty="0">
+                <a:effectLst/>
+              </a:rPr>
+              <a:t> «</a:t>
+            </a:r>
+            <a:r>
+              <a:rPr lang="ru-RU" b="0" i="0" dirty="0" err="1">
+                <a:effectLst/>
+              </a:rPr>
+              <a:t>обгортки</a:t>
+            </a:r>
+            <a:r>
+              <a:rPr lang="ru-RU" b="0" i="0" dirty="0">
+                <a:effectLst/>
+              </a:rPr>
+              <a:t>»</a:t>
+            </a:r>
           </a:p>
           <a:p>
             <a:pPr marL="0" indent="0">
               <a:buNone/>
             </a:pPr>
             <a:r>
-              <a:rPr lang="ru-RU" dirty="0"/>
-              <a:t>Использовались декораторы</a:t>
+              <a:rPr lang="uk-UA" dirty="0"/>
+              <a:t>Використовувались декоратори </a:t>
             </a:r>
             <a:r>
               <a:rPr lang="en-US" dirty="0"/>
-              <a:t> @Component, @NgModel, @Injectable, @Inject</a:t>
+              <a:t>@Component, @NgModel, @Injectable, @Inject</a:t>
             </a:r>
             <a:endParaRPr lang="ru-RU" dirty="0"/>
           </a:p>
@@ -3888,7 +4139,7 @@
         </p:spPr>
         <p:txBody>
           <a:bodyPr>
-            <a:normAutofit fontScale="85000" lnSpcReduction="10000"/>
+            <a:normAutofit fontScale="85000" lnSpcReduction="20000"/>
           </a:bodyPr>
           <a:lstStyle/>
           <a:p>
@@ -3896,57 +4147,299 @@
               <a:buNone/>
             </a:pPr>
             <a:r>
+              <a:rPr lang="ru-RU" b="0" i="0" dirty="0" err="1">
+                <a:effectLst/>
+              </a:rPr>
+              <a:t>Клас</a:t>
+            </a:r>
+            <a:r>
               <a:rPr lang="ru-RU" b="0" i="0" dirty="0">
                 <a:effectLst/>
               </a:rPr>
-              <a:t>Класс со «слабым» зацеплением: </a:t>
-            </a:r>
-            <a:endParaRPr lang="en-US" b="0" i="0" dirty="0">
+              <a:t> </a:t>
+            </a:r>
+            <a:r>
+              <a:rPr lang="ru-RU" b="0" i="0" dirty="0" err="1">
+                <a:effectLst/>
+              </a:rPr>
+              <a:t>із</a:t>
+            </a:r>
+            <a:r>
+              <a:rPr lang="ru-RU" b="0" i="0" dirty="0">
+                <a:effectLst/>
+              </a:rPr>
+              <a:t> «</a:t>
+            </a:r>
+            <a:r>
+              <a:rPr lang="ru-RU" b="0" i="0" dirty="0" err="1">
+                <a:effectLst/>
+              </a:rPr>
+              <a:t>слабким</a:t>
+            </a:r>
+            <a:r>
+              <a:rPr lang="ru-RU" b="0" i="0" dirty="0">
+                <a:effectLst/>
+              </a:rPr>
+              <a:t>» </a:t>
+            </a:r>
+            <a:r>
+              <a:rPr lang="ru-RU" b="0" i="0" dirty="0" err="1">
+                <a:effectLst/>
+              </a:rPr>
+              <a:t>зачепленням</a:t>
+            </a:r>
+            <a:r>
+              <a:rPr lang="ru-RU" b="0" i="0" dirty="0">
+                <a:effectLst/>
+              </a:rPr>
+              <a:t>:</a:t>
+            </a:r>
+          </a:p>
+          <a:p>
+            <a:r>
+              <a:rPr lang="ru-RU" b="0" i="0" dirty="0" err="1">
+                <a:effectLst/>
+              </a:rPr>
+              <a:t>Має</a:t>
+            </a:r>
+            <a:r>
+              <a:rPr lang="ru-RU" b="0" i="0" dirty="0">
+                <a:effectLst/>
+              </a:rPr>
+              <a:t> </a:t>
+            </a:r>
+            <a:r>
+              <a:rPr lang="ru-RU" b="0" i="0" dirty="0" err="1">
+                <a:effectLst/>
+              </a:rPr>
+              <a:t>слабку</a:t>
+            </a:r>
+            <a:r>
+              <a:rPr lang="ru-RU" b="0" i="0" dirty="0">
+                <a:effectLst/>
+              </a:rPr>
+              <a:t> </a:t>
+            </a:r>
+            <a:r>
+              <a:rPr lang="ru-RU" b="0" i="0" dirty="0" err="1">
+                <a:effectLst/>
+              </a:rPr>
+              <a:t>залежність</a:t>
+            </a:r>
+            <a:r>
+              <a:rPr lang="ru-RU" b="0" i="0" dirty="0">
+                <a:effectLst/>
+              </a:rPr>
+              <a:t> з </a:t>
+            </a:r>
+            <a:r>
+              <a:rPr lang="ru-RU" b="0" i="0" dirty="0" err="1">
+                <a:effectLst/>
+              </a:rPr>
+              <a:t>інших</a:t>
+            </a:r>
+            <a:r>
+              <a:rPr lang="ru-RU" b="0" i="0" dirty="0">
+                <a:effectLst/>
+              </a:rPr>
+              <a:t> </a:t>
+            </a:r>
+            <a:r>
+              <a:rPr lang="ru-RU" b="0" i="0" dirty="0" err="1">
+                <a:effectLst/>
+              </a:rPr>
+              <a:t>класів</a:t>
+            </a:r>
+            <a:r>
+              <a:rPr lang="ru-RU" b="0" i="0" dirty="0">
+                <a:effectLst/>
+              </a:rPr>
+              <a:t>;</a:t>
+            </a:r>
+          </a:p>
+          <a:p>
+            <a:r>
+              <a:rPr lang="ru-RU" b="0" i="0" dirty="0">
+                <a:effectLst/>
+              </a:rPr>
+              <a:t>Не </a:t>
+            </a:r>
+            <a:r>
+              <a:rPr lang="ru-RU" b="0" i="0" dirty="0" err="1">
+                <a:effectLst/>
+              </a:rPr>
+              <a:t>залежить</a:t>
+            </a:r>
+            <a:r>
+              <a:rPr lang="ru-RU" b="0" i="0" dirty="0">
+                <a:effectLst/>
+              </a:rPr>
+              <a:t> </a:t>
+            </a:r>
+            <a:r>
+              <a:rPr lang="ru-RU" b="0" i="0" dirty="0" err="1">
+                <a:effectLst/>
+              </a:rPr>
+              <a:t>від</a:t>
+            </a:r>
+            <a:r>
+              <a:rPr lang="ru-RU" b="0" i="0" dirty="0">
+                <a:effectLst/>
+              </a:rPr>
+              <a:t> </a:t>
+            </a:r>
+            <a:r>
+              <a:rPr lang="ru-RU" b="0" i="0" dirty="0" err="1">
+                <a:effectLst/>
+              </a:rPr>
+              <a:t>зовнішніх</a:t>
+            </a:r>
+            <a:r>
+              <a:rPr lang="ru-RU" b="0" i="0" dirty="0">
+                <a:effectLst/>
+              </a:rPr>
+              <a:t> </a:t>
+            </a:r>
+            <a:r>
+              <a:rPr lang="ru-RU" b="0" i="0" dirty="0" err="1">
+                <a:effectLst/>
+              </a:rPr>
+              <a:t>змін</a:t>
+            </a:r>
+            <a:r>
+              <a:rPr lang="ru-RU" b="0" i="0" dirty="0">
+                <a:effectLst/>
+              </a:rPr>
+              <a:t> (</a:t>
+            </a:r>
+            <a:r>
+              <a:rPr lang="ru-RU" b="0" i="0" dirty="0" err="1">
+                <a:effectLst/>
+              </a:rPr>
+              <a:t>зміна</a:t>
+            </a:r>
+            <a:r>
+              <a:rPr lang="ru-RU" b="0" i="0" dirty="0">
+                <a:effectLst/>
+              </a:rPr>
+              <a:t> в одному </a:t>
+            </a:r>
+            <a:r>
+              <a:rPr lang="ru-RU" b="0" i="0" dirty="0" err="1">
+                <a:effectLst/>
+              </a:rPr>
+              <a:t>класі</a:t>
+            </a:r>
+            <a:r>
+              <a:rPr lang="ru-RU" b="0" i="0" dirty="0">
+                <a:effectLst/>
+              </a:rPr>
+              <a:t> </a:t>
+            </a:r>
+            <a:r>
+              <a:rPr lang="ru-RU" b="0" i="0" dirty="0" err="1">
+                <a:effectLst/>
+              </a:rPr>
+              <a:t>має</a:t>
+            </a:r>
+            <a:r>
+              <a:rPr lang="ru-RU" b="0" i="0" dirty="0">
+                <a:effectLst/>
+              </a:rPr>
+              <a:t> </a:t>
+            </a:r>
+            <a:r>
+              <a:rPr lang="ru-RU" b="0" i="0" dirty="0" err="1">
+                <a:effectLst/>
+              </a:rPr>
+              <a:t>слабкий</a:t>
+            </a:r>
+            <a:r>
+              <a:rPr lang="ru-RU" b="0" i="0" dirty="0">
+                <a:effectLst/>
+              </a:rPr>
+              <a:t> </a:t>
+            </a:r>
+            <a:r>
+              <a:rPr lang="ru-RU" b="0" i="0" dirty="0" err="1">
+                <a:effectLst/>
+              </a:rPr>
+              <a:t>вплив</a:t>
+            </a:r>
+            <a:r>
+              <a:rPr lang="ru-RU" b="0" i="0" dirty="0">
+                <a:effectLst/>
+              </a:rPr>
+              <a:t> на </a:t>
+            </a:r>
+            <a:r>
+              <a:rPr lang="ru-RU" b="0" i="0" dirty="0" err="1">
+                <a:effectLst/>
+              </a:rPr>
+              <a:t>інші</a:t>
+            </a:r>
+            <a:r>
+              <a:rPr lang="ru-RU" b="0" i="0" dirty="0">
+                <a:effectLst/>
+              </a:rPr>
+              <a:t> </a:t>
+            </a:r>
+            <a:r>
+              <a:rPr lang="ru-RU" b="0" i="0" dirty="0" err="1">
+                <a:effectLst/>
+              </a:rPr>
+              <a:t>класи</a:t>
+            </a:r>
+            <a:r>
+              <a:rPr lang="ru-RU" b="0" i="0" dirty="0">
+                <a:effectLst/>
+              </a:rPr>
+              <a:t>);</a:t>
+            </a:r>
+          </a:p>
+          <a:p>
+            <a:r>
+              <a:rPr lang="ru-RU" b="0" i="0" dirty="0" err="1">
+                <a:effectLst/>
+              </a:rPr>
+              <a:t>Простий</a:t>
+            </a:r>
+            <a:r>
+              <a:rPr lang="ru-RU" b="0" i="0" dirty="0">
+                <a:effectLst/>
+              </a:rPr>
+              <a:t> для повторного </a:t>
+            </a:r>
+            <a:r>
+              <a:rPr lang="ru-RU" b="0" i="0" dirty="0" err="1">
+                <a:effectLst/>
+              </a:rPr>
+              <a:t>використання</a:t>
+            </a:r>
+            <a:r>
+              <a:rPr lang="ru-RU" b="0" i="0" dirty="0">
+                <a:effectLst/>
+              </a:rPr>
+              <a:t>.</a:t>
+            </a:r>
+          </a:p>
+          <a:p>
+            <a:pPr marL="0" indent="0">
+              <a:buNone/>
+            </a:pPr>
+            <a:endParaRPr lang="ru-RU" b="0" i="0" dirty="0">
               <a:effectLst/>
             </a:endParaRPr>
           </a:p>
           <a:p>
+            <a:pPr marL="0" indent="0">
+              <a:buNone/>
+            </a:pPr>
             <a:r>
               <a:rPr lang="ru-RU" b="0" i="0" dirty="0">
                 <a:effectLst/>
               </a:rPr>
-              <a:t>Имеет слабую зависимость от других классов; </a:t>
-            </a:r>
-            <a:endParaRPr lang="en-US" b="0" i="0" dirty="0">
-              <a:effectLst/>
-            </a:endParaRPr>
-          </a:p>
-          <a:p>
-            <a:r>
-              <a:rPr lang="ru-RU" b="0" i="0" dirty="0">
-                <a:effectLst/>
-              </a:rPr>
-              <a:t>Не зависит от внешних изменений (изменение в одном классе оказывает слабое влияние на другие классы);</a:t>
-            </a:r>
-            <a:endParaRPr lang="en-US" b="0" i="0" dirty="0">
-              <a:effectLst/>
-            </a:endParaRPr>
-          </a:p>
-          <a:p>
-            <a:r>
-              <a:rPr lang="ru-RU" b="0" i="0" dirty="0">
-                <a:effectLst/>
-              </a:rPr>
-              <a:t>Прост для повторного использования. </a:t>
-            </a:r>
-            <a:endParaRPr lang="en-US" b="0" i="0" dirty="0">
-              <a:effectLst/>
-            </a:endParaRPr>
-          </a:p>
-          <a:p>
-            <a:pPr marL="0" indent="0">
-              <a:buNone/>
-            </a:pPr>
-            <a:r>
-              <a:rPr lang="ru-RU" b="0" i="0" dirty="0">
-                <a:effectLst/>
-              </a:rPr>
-              <a:t>Пример - </a:t>
+              <a:t>Приклад - </a:t>
             </a:r>
             <a:r>
               <a:rPr lang="ru-RU" b="0" i="0" dirty="0" err="1">
@@ -4049,7 +4542,7 @@
             <a:pPr algn="ctr"/>
             <a:r>
               <a:rPr lang="ru-RU" b="1" dirty="0" err="1"/>
-              <a:t>Иншаллах</a:t>
+              <a:t>Іншаллах</a:t>
             </a:r>
             <a:r>
               <a:rPr lang="ru-RU" b="1" dirty="0"/>
